--- a/5주차 6주차 UDP 프로그래밍.pptx
+++ b/5주차 6주차 UDP 프로그래밍.pptx
@@ -2687,7 +2687,7 @@
           <a:p>
             <a:fld id="{82D0C697-A319-44FC-9FB3-53CE1577694E}" type="datetimeFigureOut">
               <a:rPr lang="ko-KR" altLang="en-US" smtClean="0"/>
-              <a:t>2024-04-11</a:t>
+              <a:t>2024-04-18</a:t>
             </a:fld>
             <a:endParaRPr lang="ko-KR" altLang="en-US"/>
           </a:p>
@@ -2885,7 +2885,7 @@
           <a:p>
             <a:fld id="{82D0C697-A319-44FC-9FB3-53CE1577694E}" type="datetimeFigureOut">
               <a:rPr lang="ko-KR" altLang="en-US" smtClean="0"/>
-              <a:t>2024-04-11</a:t>
+              <a:t>2024-04-18</a:t>
             </a:fld>
             <a:endParaRPr lang="ko-KR" altLang="en-US"/>
           </a:p>
@@ -3093,7 +3093,7 @@
           <a:p>
             <a:fld id="{82D0C697-A319-44FC-9FB3-53CE1577694E}" type="datetimeFigureOut">
               <a:rPr lang="ko-KR" altLang="en-US" smtClean="0"/>
-              <a:t>2024-04-11</a:t>
+              <a:t>2024-04-18</a:t>
             </a:fld>
             <a:endParaRPr lang="ko-KR" altLang="en-US"/>
           </a:p>
@@ -3291,7 +3291,7 @@
           <a:p>
             <a:fld id="{82D0C697-A319-44FC-9FB3-53CE1577694E}" type="datetimeFigureOut">
               <a:rPr lang="ko-KR" altLang="en-US" smtClean="0"/>
-              <a:t>2024-04-11</a:t>
+              <a:t>2024-04-18</a:t>
             </a:fld>
             <a:endParaRPr lang="ko-KR" altLang="en-US"/>
           </a:p>
@@ -3566,7 +3566,7 @@
           <a:p>
             <a:fld id="{82D0C697-A319-44FC-9FB3-53CE1577694E}" type="datetimeFigureOut">
               <a:rPr lang="ko-KR" altLang="en-US" smtClean="0"/>
-              <a:t>2024-04-11</a:t>
+              <a:t>2024-04-18</a:t>
             </a:fld>
             <a:endParaRPr lang="ko-KR" altLang="en-US"/>
           </a:p>
@@ -3831,7 +3831,7 @@
           <a:p>
             <a:fld id="{82D0C697-A319-44FC-9FB3-53CE1577694E}" type="datetimeFigureOut">
               <a:rPr lang="ko-KR" altLang="en-US" smtClean="0"/>
-              <a:t>2024-04-11</a:t>
+              <a:t>2024-04-18</a:t>
             </a:fld>
             <a:endParaRPr lang="ko-KR" altLang="en-US"/>
           </a:p>
@@ -4243,7 +4243,7 @@
           <a:p>
             <a:fld id="{82D0C697-A319-44FC-9FB3-53CE1577694E}" type="datetimeFigureOut">
               <a:rPr lang="ko-KR" altLang="en-US" smtClean="0"/>
-              <a:t>2024-04-11</a:t>
+              <a:t>2024-04-18</a:t>
             </a:fld>
             <a:endParaRPr lang="ko-KR" altLang="en-US"/>
           </a:p>
@@ -4384,7 +4384,7 @@
           <a:p>
             <a:fld id="{82D0C697-A319-44FC-9FB3-53CE1577694E}" type="datetimeFigureOut">
               <a:rPr lang="ko-KR" altLang="en-US" smtClean="0"/>
-              <a:t>2024-04-11</a:t>
+              <a:t>2024-04-18</a:t>
             </a:fld>
             <a:endParaRPr lang="ko-KR" altLang="en-US"/>
           </a:p>
@@ -4497,7 +4497,7 @@
           <a:p>
             <a:fld id="{82D0C697-A319-44FC-9FB3-53CE1577694E}" type="datetimeFigureOut">
               <a:rPr lang="ko-KR" altLang="en-US" smtClean="0"/>
-              <a:t>2024-04-11</a:t>
+              <a:t>2024-04-18</a:t>
             </a:fld>
             <a:endParaRPr lang="ko-KR" altLang="en-US"/>
           </a:p>
@@ -4808,7 +4808,7 @@
           <a:p>
             <a:fld id="{82D0C697-A319-44FC-9FB3-53CE1577694E}" type="datetimeFigureOut">
               <a:rPr lang="ko-KR" altLang="en-US" smtClean="0"/>
-              <a:t>2024-04-11</a:t>
+              <a:t>2024-04-18</a:t>
             </a:fld>
             <a:endParaRPr lang="ko-KR" altLang="en-US"/>
           </a:p>
@@ -5096,7 +5096,7 @@
           <a:p>
             <a:fld id="{82D0C697-A319-44FC-9FB3-53CE1577694E}" type="datetimeFigureOut">
               <a:rPr lang="ko-KR" altLang="en-US" smtClean="0"/>
-              <a:t>2024-04-11</a:t>
+              <a:t>2024-04-18</a:t>
             </a:fld>
             <a:endParaRPr lang="ko-KR" altLang="en-US"/>
           </a:p>
@@ -5337,7 +5337,7 @@
           <a:p>
             <a:fld id="{82D0C697-A319-44FC-9FB3-53CE1577694E}" type="datetimeFigureOut">
               <a:rPr lang="ko-KR" altLang="en-US" smtClean="0"/>
-              <a:t>2024-04-11</a:t>
+              <a:t>2024-04-18</a:t>
             </a:fld>
             <a:endParaRPr lang="ko-KR" altLang="en-US"/>
           </a:p>
@@ -6607,7 +6607,9 @@
         </p:nvSpPr>
         <p:spPr/>
         <p:txBody>
-          <a:bodyPr/>
+          <a:bodyPr>
+            <a:normAutofit lnSpcReduction="10000"/>
+          </a:bodyPr>
           <a:lstStyle/>
           <a:p>
             <a:r>
@@ -6736,13 +6738,60 @@
           </a:p>
           <a:p>
             <a:r>
-              <a:rPr lang="en-US" altLang="ko-KR" dirty="0">
+              <a:rPr lang="en-US" altLang="ko-KR" dirty="0" smtClean="0">
                 <a:solidFill>
                   <a:srgbClr val="FF0000"/>
                 </a:solidFill>
               </a:rPr>
               <a:t>Arp</a:t>
             </a:r>
+          </a:p>
+          <a:p>
+            <a:r>
+              <a:rPr lang="en-US" altLang="ko-KR" dirty="0" smtClean="0">
+                <a:solidFill>
+                  <a:srgbClr val="FF0000"/>
+                </a:solidFill>
+              </a:rPr>
+              <a:t>Windows firewall</a:t>
+            </a:r>
+            <a:r>
+              <a:rPr lang="ko-KR" altLang="en-US" dirty="0" smtClean="0">
+                <a:solidFill>
+                  <a:srgbClr val="FF0000"/>
+                </a:solidFill>
+              </a:rPr>
+              <a:t>을 먼저 확인해 보자 </a:t>
+            </a:r>
+            <a:r>
+              <a:rPr lang="en-US" altLang="ko-KR" dirty="0" smtClean="0">
+                <a:solidFill>
+                  <a:srgbClr val="FF0000"/>
+                </a:solidFill>
+              </a:rPr>
+              <a:t>(</a:t>
+            </a:r>
+            <a:r>
+              <a:rPr lang="en-US" altLang="ko-KR" dirty="0" err="1" smtClean="0">
+                <a:solidFill>
+                  <a:srgbClr val="FF0000"/>
+                </a:solidFill>
+              </a:rPr>
+              <a:t>firewall.api</a:t>
+            </a:r>
+            <a:r>
+              <a:rPr lang="en-US" altLang="ko-KR" dirty="0" smtClean="0">
+                <a:solidFill>
+                  <a:srgbClr val="FF0000"/>
+                </a:solidFill>
+              </a:rPr>
+              <a:t>)</a:t>
+            </a:r>
+            <a:endParaRPr lang="en-US" altLang="ko-KR" dirty="0">
+              <a:solidFill>
+                <a:srgbClr val="FF0000"/>
+              </a:solidFill>
+            </a:endParaRPr>
           </a:p>
           <a:p>
             <a:r>
@@ -6898,7 +6947,7 @@
                 <a14:useLocalDpi xmlns:a14="http://schemas.microsoft.com/office/drawing/2010/main" val="0"/>
               </a:ext>
               <a:ext uri="{96DAC541-7B7A-43D3-8B79-37D633B846F1}">
-                <asvg:svgBlip xmlns="" xmlns:asvg="http://schemas.microsoft.com/office/drawing/2016/SVG/main" r:embed="rId3"/>
+                <asvg:svgBlip xmlns:asvg="http://schemas.microsoft.com/office/drawing/2016/SVG/main" xmlns="" r:embed="rId3"/>
               </a:ext>
             </a:extLst>
           </a:blip>
@@ -6934,7 +6983,7 @@
                 <a14:useLocalDpi xmlns:a14="http://schemas.microsoft.com/office/drawing/2010/main" val="0"/>
               </a:ext>
               <a:ext uri="{96DAC541-7B7A-43D3-8B79-37D633B846F1}">
-                <asvg:svgBlip xmlns="" xmlns:asvg="http://schemas.microsoft.com/office/drawing/2016/SVG/main" r:embed="rId5"/>
+                <asvg:svgBlip xmlns:asvg="http://schemas.microsoft.com/office/drawing/2016/SVG/main" xmlns="" r:embed="rId5"/>
               </a:ext>
             </a:extLst>
           </a:blip>
@@ -6973,7 +7022,7 @@
                 <a14:useLocalDpi xmlns:a14="http://schemas.microsoft.com/office/drawing/2010/main" val="0"/>
               </a:ext>
               <a:ext uri="{96DAC541-7B7A-43D3-8B79-37D633B846F1}">
-                <asvg:svgBlip xmlns="" xmlns:asvg="http://schemas.microsoft.com/office/drawing/2016/SVG/main" r:embed="rId7"/>
+                <asvg:svgBlip xmlns:asvg="http://schemas.microsoft.com/office/drawing/2016/SVG/main" xmlns="" r:embed="rId7"/>
               </a:ext>
             </a:extLst>
           </a:blip>
@@ -7070,7 +7119,7 @@
                 <a14:useLocalDpi xmlns:a14="http://schemas.microsoft.com/office/drawing/2010/main" val="0"/>
               </a:ext>
               <a:ext uri="{96DAC541-7B7A-43D3-8B79-37D633B846F1}">
-                <asvg:svgBlip xmlns="" xmlns:asvg="http://schemas.microsoft.com/office/drawing/2016/SVG/main" r:embed="rId3"/>
+                <asvg:svgBlip xmlns:asvg="http://schemas.microsoft.com/office/drawing/2016/SVG/main" xmlns="" r:embed="rId3"/>
               </a:ext>
             </a:extLst>
           </a:blip>
@@ -7109,7 +7158,7 @@
                 <a14:useLocalDpi xmlns:a14="http://schemas.microsoft.com/office/drawing/2010/main" val="0"/>
               </a:ext>
               <a:ext uri="{96DAC541-7B7A-43D3-8B79-37D633B846F1}">
-                <asvg:svgBlip xmlns="" xmlns:asvg="http://schemas.microsoft.com/office/drawing/2016/SVG/main" r:embed="rId5"/>
+                <asvg:svgBlip xmlns:asvg="http://schemas.microsoft.com/office/drawing/2016/SVG/main" xmlns="" r:embed="rId5"/>
               </a:ext>
             </a:extLst>
           </a:blip>
@@ -7347,7 +7396,7 @@
                 <a14:useLocalDpi xmlns:a14="http://schemas.microsoft.com/office/drawing/2010/main" val="0"/>
               </a:ext>
               <a:ext uri="{96DAC541-7B7A-43D3-8B79-37D633B846F1}">
-                <asvg:svgBlip xmlns="" xmlns:asvg="http://schemas.microsoft.com/office/drawing/2016/SVG/main" r:embed="rId7"/>
+                <asvg:svgBlip xmlns:asvg="http://schemas.microsoft.com/office/drawing/2016/SVG/main" xmlns="" r:embed="rId7"/>
               </a:ext>
             </a:extLst>
           </a:blip>
@@ -7478,7 +7527,7 @@
                 <a14:useLocalDpi xmlns:a14="http://schemas.microsoft.com/office/drawing/2010/main" val="0"/>
               </a:ext>
               <a:ext uri="{96DAC541-7B7A-43D3-8B79-37D633B846F1}">
-                <asvg:svgBlip xmlns="" xmlns:asvg="http://schemas.microsoft.com/office/drawing/2016/SVG/main" r:embed="rId9"/>
+                <asvg:svgBlip xmlns:asvg="http://schemas.microsoft.com/office/drawing/2016/SVG/main" xmlns="" r:embed="rId9"/>
               </a:ext>
             </a:extLst>
           </a:blip>
@@ -7517,7 +7566,7 @@
                 <a14:useLocalDpi xmlns:a14="http://schemas.microsoft.com/office/drawing/2010/main" val="0"/>
               </a:ext>
               <a:ext uri="{96DAC541-7B7A-43D3-8B79-37D633B846F1}">
-                <asvg:svgBlip xmlns="" xmlns:asvg="http://schemas.microsoft.com/office/drawing/2016/SVG/main" r:embed="rId9"/>
+                <asvg:svgBlip xmlns:asvg="http://schemas.microsoft.com/office/drawing/2016/SVG/main" xmlns="" r:embed="rId9"/>
               </a:ext>
             </a:extLst>
           </a:blip>
@@ -7813,6 +7862,100 @@
           </a:prstGeom>
         </p:spPr>
       </p:pic>
+      <p:sp>
+        <p:nvSpPr>
+          <p:cNvPr id="3" name="TextBox 2"/>
+          <p:cNvSpPr txBox="1"/>
+          <p:nvPr/>
+        </p:nvSpPr>
+        <p:spPr>
+          <a:xfrm>
+            <a:off x="8221288" y="2642037"/>
+            <a:ext cx="914400" cy="369332"/>
+          </a:xfrm>
+          <a:prstGeom prst="rect">
+            <a:avLst/>
+          </a:prstGeom>
+          <a:noFill/>
+        </p:spPr>
+        <p:txBody>
+          <a:bodyPr wrap="square" rtlCol="0">
+            <a:spAutoFit/>
+          </a:bodyPr>
+          <a:lstStyle/>
+          <a:p>
+            <a:r>
+              <a:rPr lang="en-US" altLang="ko-KR" dirty="0" smtClean="0"/>
+              <a:t>UDP</a:t>
+            </a:r>
+            <a:endParaRPr lang="ko-KR" altLang="en-US" dirty="0"/>
+          </a:p>
+        </p:txBody>
+      </p:sp>
+      <p:sp>
+        <p:nvSpPr>
+          <p:cNvPr id="6" name="TextBox 5"/>
+          <p:cNvSpPr txBox="1"/>
+          <p:nvPr/>
+        </p:nvSpPr>
+        <p:spPr>
+          <a:xfrm>
+            <a:off x="7373388" y="5471221"/>
+            <a:ext cx="2435629" cy="923330"/>
+          </a:xfrm>
+          <a:prstGeom prst="rect">
+            <a:avLst/>
+          </a:prstGeom>
+          <a:noFill/>
+        </p:spPr>
+        <p:txBody>
+          <a:bodyPr wrap="square" rtlCol="0">
+            <a:spAutoFit/>
+          </a:bodyPr>
+          <a:lstStyle/>
+          <a:p>
+            <a:r>
+              <a:rPr lang="en-US" altLang="ko-KR" dirty="0" err="1" smtClean="0"/>
+              <a:t>Recvfrom</a:t>
+            </a:r>
+            <a:r>
+              <a:rPr lang="ko-KR" altLang="en-US" dirty="0" smtClean="0"/>
+              <a:t>을 사용해 데이터를 받을 준비를 한다</a:t>
+            </a:r>
+            <a:endParaRPr lang="ko-KR" altLang="en-US" dirty="0"/>
+          </a:p>
+        </p:txBody>
+      </p:sp>
+      <p:sp>
+        <p:nvSpPr>
+          <p:cNvPr id="7" name="TextBox 6"/>
+          <p:cNvSpPr txBox="1"/>
+          <p:nvPr/>
+        </p:nvSpPr>
+        <p:spPr>
+          <a:xfrm>
+            <a:off x="1737359" y="2917927"/>
+            <a:ext cx="1446415" cy="369332"/>
+          </a:xfrm>
+          <a:prstGeom prst="rect">
+            <a:avLst/>
+          </a:prstGeom>
+          <a:noFill/>
+        </p:spPr>
+        <p:txBody>
+          <a:bodyPr wrap="square" rtlCol="0">
+            <a:spAutoFit/>
+          </a:bodyPr>
+          <a:lstStyle/>
+          <a:p>
+            <a:r>
+              <a:rPr lang="ko-KR" altLang="en-US" dirty="0" smtClean="0"/>
+              <a:t>동기형 통신</a:t>
+            </a:r>
+            <a:endParaRPr lang="ko-KR" altLang="en-US" dirty="0"/>
+          </a:p>
+        </p:txBody>
+      </p:sp>
     </p:spTree>
     <p:extLst>
       <p:ext uri="{BB962C8B-B14F-4D97-AF65-F5344CB8AC3E}">
@@ -7922,6 +8065,13 @@
   <p:clrMapOvr>
     <a:masterClrMapping/>
   </p:clrMapOvr>
+  <p:timing>
+    <p:tnLst>
+      <p:par>
+        <p:cTn id="1" dur="indefinite" restart="never" nodeType="tmRoot"/>
+      </p:par>
+    </p:tnLst>
+  </p:timing>
 </p:sld>
 </file>
 
@@ -8133,6 +8283,68 @@
           </a:p>
         </p:txBody>
       </p:sp>
+      <p:sp>
+        <p:nvSpPr>
+          <p:cNvPr id="4" name="TextBox 3"/>
+          <p:cNvSpPr txBox="1"/>
+          <p:nvPr/>
+        </p:nvSpPr>
+        <p:spPr>
+          <a:xfrm>
+            <a:off x="6957753" y="1487978"/>
+            <a:ext cx="3682538" cy="1200329"/>
+          </a:xfrm>
+          <a:prstGeom prst="rect">
+            <a:avLst/>
+          </a:prstGeom>
+          <a:noFill/>
+        </p:spPr>
+        <p:txBody>
+          <a:bodyPr wrap="square" rtlCol="0">
+            <a:spAutoFit/>
+          </a:bodyPr>
+          <a:lstStyle/>
+          <a:p>
+            <a:r>
+              <a:rPr lang="en-US" altLang="ko-KR" dirty="0" err="1" smtClean="0"/>
+              <a:t>TcpListener</a:t>
+            </a:r>
+            <a:r>
+              <a:rPr lang="en-US" altLang="ko-KR" dirty="0" smtClean="0"/>
+              <a:t> </a:t>
+            </a:r>
+            <a:r>
+              <a:rPr lang="ko-KR" altLang="en-US" dirty="0" smtClean="0"/>
+              <a:t>클래스 </a:t>
+            </a:r>
+            <a:r>
+              <a:rPr lang="en-US" altLang="ko-KR" dirty="0" err="1" smtClean="0"/>
+              <a:t>HelperClass</a:t>
+            </a:r>
+            <a:endParaRPr lang="en-US" altLang="ko-KR" dirty="0" smtClean="0"/>
+          </a:p>
+          <a:p>
+            <a:r>
+              <a:rPr lang="en-US" altLang="ko-KR" dirty="0" smtClean="0"/>
+              <a:t>Start</a:t>
+            </a:r>
+          </a:p>
+          <a:p>
+            <a:r>
+              <a:rPr lang="en-US" altLang="ko-KR" dirty="0" err="1" smtClean="0"/>
+              <a:t>AcceptSocket</a:t>
+            </a:r>
+            <a:endParaRPr lang="en-US" altLang="ko-KR" dirty="0" smtClean="0"/>
+          </a:p>
+          <a:p>
+            <a:r>
+              <a:rPr lang="en-US" altLang="ko-KR" dirty="0" err="1" smtClean="0"/>
+              <a:t>AcceptTcpClient</a:t>
+            </a:r>
+            <a:endParaRPr lang="ko-KR" altLang="en-US" dirty="0"/>
+          </a:p>
+        </p:txBody>
+      </p:sp>
     </p:spTree>
     <p:extLst>
       <p:ext uri="{BB962C8B-B14F-4D97-AF65-F5344CB8AC3E}">
@@ -8143,6 +8355,13 @@
   <p:clrMapOvr>
     <a:masterClrMapping/>
   </p:clrMapOvr>
+  <p:timing>
+    <p:tnLst>
+      <p:par>
+        <p:cTn id="1" dur="indefinite" restart="never" nodeType="tmRoot"/>
+      </p:par>
+    </p:tnLst>
+  </p:timing>
 </p:sld>
 </file>
 
@@ -8507,7 +8726,7 @@
                 <a14:useLocalDpi xmlns:a14="http://schemas.microsoft.com/office/drawing/2010/main" val="0"/>
               </a:ext>
               <a:ext uri="{96DAC541-7B7A-43D3-8B79-37D633B846F1}">
-                <asvg:svgBlip xmlns="" xmlns:asvg="http://schemas.microsoft.com/office/drawing/2016/SVG/main" r:embed="rId3"/>
+                <asvg:svgBlip xmlns:asvg="http://schemas.microsoft.com/office/drawing/2016/SVG/main" xmlns="" r:embed="rId3"/>
               </a:ext>
             </a:extLst>
           </a:blip>
@@ -8546,7 +8765,7 @@
                 <a14:useLocalDpi xmlns:a14="http://schemas.microsoft.com/office/drawing/2010/main" val="0"/>
               </a:ext>
               <a:ext uri="{96DAC541-7B7A-43D3-8B79-37D633B846F1}">
-                <asvg:svgBlip xmlns="" xmlns:asvg="http://schemas.microsoft.com/office/drawing/2016/SVG/main" r:embed="rId5"/>
+                <asvg:svgBlip xmlns:asvg="http://schemas.microsoft.com/office/drawing/2016/SVG/main" xmlns="" r:embed="rId5"/>
               </a:ext>
             </a:extLst>
           </a:blip>
@@ -8585,7 +8804,7 @@
                 <a14:useLocalDpi xmlns:a14="http://schemas.microsoft.com/office/drawing/2010/main" val="0"/>
               </a:ext>
               <a:ext uri="{96DAC541-7B7A-43D3-8B79-37D633B846F1}">
-                <asvg:svgBlip xmlns="" xmlns:asvg="http://schemas.microsoft.com/office/drawing/2016/SVG/main" r:embed="rId7"/>
+                <asvg:svgBlip xmlns:asvg="http://schemas.microsoft.com/office/drawing/2016/SVG/main" xmlns="" r:embed="rId7"/>
               </a:ext>
             </a:extLst>
           </a:blip>
@@ -8613,6 +8832,13 @@
   <p:clrMapOvr>
     <a:masterClrMapping/>
   </p:clrMapOvr>
+  <p:timing>
+    <p:tnLst>
+      <p:par>
+        <p:cTn id="1" dur="indefinite" restart="never" nodeType="tmRoot"/>
+      </p:par>
+    </p:tnLst>
+  </p:timing>
 </p:sld>
 </file>
 

--- a/5주차 6주차 UDP 프로그래밍.pptx
+++ b/5주차 6주차 UDP 프로그래밍.pptx
@@ -7956,6 +7956,36 @@
           </a:p>
         </p:txBody>
       </p:sp>
+      <p:sp>
+        <p:nvSpPr>
+          <p:cNvPr id="8" name="TextBox 7"/>
+          <p:cNvSpPr txBox="1"/>
+          <p:nvPr/>
+        </p:nvSpPr>
+        <p:spPr>
+          <a:xfrm>
+            <a:off x="648393" y="5868785"/>
+            <a:ext cx="3258589" cy="369332"/>
+          </a:xfrm>
+          <a:prstGeom prst="rect">
+            <a:avLst/>
+          </a:prstGeom>
+          <a:noFill/>
+        </p:spPr>
+        <p:txBody>
+          <a:bodyPr wrap="square" rtlCol="0">
+            <a:spAutoFit/>
+          </a:bodyPr>
+          <a:lstStyle/>
+          <a:p>
+            <a:r>
+              <a:rPr lang="ko-KR" altLang="en-US" dirty="0" smtClean="0"/>
+              <a:t>서로 연결되었는지 확인</a:t>
+            </a:r>
+            <a:endParaRPr lang="ko-KR" altLang="en-US" dirty="0"/>
+          </a:p>
+        </p:txBody>
+      </p:sp>
     </p:spTree>
     <p:extLst>
       <p:ext uri="{BB962C8B-B14F-4D97-AF65-F5344CB8AC3E}">
@@ -8442,7 +8472,7 @@
         <p:spPr/>
         <p:txBody>
           <a:bodyPr>
-            <a:normAutofit fontScale="85000" lnSpcReduction="20000"/>
+            <a:normAutofit fontScale="70000" lnSpcReduction="20000"/>
           </a:bodyPr>
           <a:lstStyle/>
           <a:p>
@@ -8490,6 +8520,34 @@
               <a:rPr lang="ko-KR" altLang="en-US" dirty="0"/>
               <a:t>학생 </a:t>
             </a:r>
+            <a:r>
+              <a:rPr lang="en-US" altLang="ko-KR" dirty="0" smtClean="0"/>
+              <a:t>(</a:t>
+            </a:r>
+            <a:r>
+              <a:rPr lang="ko-KR" altLang="en-US" dirty="0" smtClean="0"/>
+              <a:t>다중접속 안되는 </a:t>
+            </a:r>
+            <a:r>
+              <a:rPr lang="en-US" altLang="ko-KR" dirty="0" smtClean="0"/>
+              <a:t>tool </a:t>
+            </a:r>
+            <a:r>
+              <a:rPr lang="ko-KR" altLang="en-US" dirty="0" smtClean="0"/>
+              <a:t>사용</a:t>
+            </a:r>
+            <a:r>
+              <a:rPr lang="en-US" altLang="ko-KR" dirty="0" smtClean="0"/>
+              <a:t>, </a:t>
+            </a:r>
+            <a:r>
+              <a:rPr lang="ko-KR" altLang="en-US" dirty="0" smtClean="0"/>
+              <a:t>창이 하나</a:t>
+            </a:r>
+            <a:r>
+              <a:rPr lang="en-US" altLang="ko-KR" dirty="0" smtClean="0"/>
+              <a:t>)</a:t>
+            </a:r>
             <a:endParaRPr lang="en-US" altLang="ko-KR" dirty="0"/>
           </a:p>
           <a:p>
@@ -8505,6 +8563,34 @@
               <a:rPr lang="ko-KR" altLang="en-US" dirty="0"/>
               <a:t>  </a:t>
             </a:r>
+            <a:r>
+              <a:rPr lang="en-US" altLang="ko-KR" dirty="0" smtClean="0"/>
+              <a:t>(</a:t>
+            </a:r>
+            <a:r>
+              <a:rPr lang="ko-KR" altLang="en-US" dirty="0" smtClean="0"/>
+              <a:t>다중 접속 가능한 </a:t>
+            </a:r>
+            <a:r>
+              <a:rPr lang="en-US" altLang="ko-KR" dirty="0" smtClean="0"/>
+              <a:t>tool </a:t>
+            </a:r>
+            <a:r>
+              <a:rPr lang="ko-KR" altLang="en-US" dirty="0" smtClean="0"/>
+              <a:t>사용</a:t>
+            </a:r>
+            <a:r>
+              <a:rPr lang="en-US" altLang="ko-KR" dirty="0" smtClean="0"/>
+              <a:t>, </a:t>
+            </a:r>
+            <a:r>
+              <a:rPr lang="ko-KR" altLang="en-US" dirty="0" smtClean="0"/>
+              <a:t>창이 여러 개</a:t>
+            </a:r>
+            <a:r>
+              <a:rPr lang="en-US" altLang="ko-KR" dirty="0" smtClean="0"/>
+              <a:t>)</a:t>
+            </a:r>
             <a:endParaRPr lang="en-US" altLang="ko-KR" dirty="0"/>
           </a:p>
           <a:p>
@@ -8526,7 +8612,31 @@
             </a:r>
             <a:r>
               <a:rPr lang="ko-KR" altLang="en-US" dirty="0"/>
-              <a:t>포트번호 확인 및 재전송</a:t>
+              <a:t>포트번호 확인 및 </a:t>
+            </a:r>
+            <a:r>
+              <a:rPr lang="ko-KR" altLang="en-US" dirty="0" smtClean="0"/>
+              <a:t>재전송 </a:t>
+            </a:r>
+            <a:r>
+              <a:rPr lang="en-US" altLang="ko-KR" dirty="0" smtClean="0"/>
+              <a:t>(</a:t>
+            </a:r>
+            <a:r>
+              <a:rPr lang="ko-KR" altLang="en-US" dirty="0" smtClean="0"/>
+              <a:t>접속과 데이터 송수신</a:t>
+            </a:r>
+            <a:r>
+              <a:rPr lang="en-US" altLang="ko-KR" dirty="0" smtClean="0"/>
+              <a:t>, </a:t>
+            </a:r>
+            <a:r>
+              <a:rPr lang="ko-KR" altLang="en-US" dirty="0" smtClean="0"/>
+              <a:t>호스트 창이 여러 개</a:t>
+            </a:r>
+            <a:r>
+              <a:rPr lang="en-US" altLang="ko-KR" dirty="0" smtClean="0"/>
+              <a:t>)</a:t>
             </a:r>
             <a:endParaRPr lang="en-US" altLang="ko-KR" dirty="0"/>
           </a:p>
@@ -8592,7 +8702,35 @@
             </a:r>
             <a:r>
               <a:rPr lang="ko-KR" altLang="en-US" dirty="0"/>
-              <a:t> 종료상태의 반응과 전송가능성</a:t>
+              <a:t> 종료상태의 반응과 </a:t>
+            </a:r>
+            <a:r>
+              <a:rPr lang="ko-KR" altLang="en-US" dirty="0" err="1" smtClean="0"/>
+              <a:t>전송가능성</a:t>
+            </a:r>
+            <a:r>
+              <a:rPr lang="ko-KR" altLang="en-US" dirty="0" smtClean="0"/>
+              <a:t> </a:t>
+            </a:r>
+            <a:r>
+              <a:rPr lang="en-US" altLang="ko-KR" dirty="0" smtClean="0"/>
+              <a:t>(</a:t>
+            </a:r>
+            <a:r>
+              <a:rPr lang="ko-KR" altLang="en-US" dirty="0" smtClean="0"/>
+              <a:t>종료를 누가 </a:t>
+            </a:r>
+            <a:r>
+              <a:rPr lang="ko-KR" altLang="en-US" dirty="0" err="1" smtClean="0"/>
+              <a:t>시작했는가에</a:t>
+            </a:r>
+            <a:r>
+              <a:rPr lang="ko-KR" altLang="en-US" dirty="0" smtClean="0"/>
+              <a:t> 따른 결과</a:t>
+            </a:r>
+            <a:r>
+              <a:rPr lang="en-US" altLang="ko-KR" dirty="0" smtClean="0"/>
+              <a:t>)</a:t>
             </a:r>
             <a:endParaRPr lang="en-US" altLang="ko-KR" dirty="0"/>
           </a:p>
@@ -8627,11 +8765,48 @@
             </a:r>
             <a:r>
               <a:rPr lang="ko-KR" altLang="en-US" dirty="0"/>
-              <a:t> 패킷 상태</a:t>
-            </a:r>
-            <a:endParaRPr lang="en-US" altLang="ko-KR" dirty="0"/>
-          </a:p>
-          <a:p>
+              <a:t> 패킷 </a:t>
+            </a:r>
+            <a:r>
+              <a:rPr lang="ko-KR" altLang="en-US" dirty="0" smtClean="0"/>
+              <a:t>상태 </a:t>
+            </a:r>
+            <a:r>
+              <a:rPr lang="en-US" altLang="ko-KR" dirty="0" smtClean="0"/>
+              <a:t>(</a:t>
+            </a:r>
+            <a:r>
+              <a:rPr lang="ko-KR" altLang="en-US" dirty="0" smtClean="0"/>
+              <a:t>큰 데이터를 </a:t>
+            </a:r>
+            <a:r>
+              <a:rPr lang="ko-KR" altLang="en-US" dirty="0" err="1" smtClean="0"/>
+              <a:t>보낼대</a:t>
+            </a:r>
+            <a:r>
+              <a:rPr lang="ko-KR" altLang="en-US" dirty="0" smtClean="0"/>
+              <a:t> 최대 크기가 </a:t>
+            </a:r>
+            <a:r>
+              <a:rPr lang="en-US" altLang="ko-KR" dirty="0" smtClean="0"/>
+              <a:t>1500byte</a:t>
+            </a:r>
+            <a:r>
+              <a:rPr lang="ko-KR" altLang="en-US" dirty="0" smtClean="0"/>
+              <a:t>고 데이터가 쪼개지는 것을 </a:t>
+            </a:r>
+            <a:r>
+              <a:rPr lang="en-US" altLang="ko-KR" dirty="0" err="1" smtClean="0"/>
+              <a:t>wireshark</a:t>
+            </a:r>
+            <a:r>
+              <a:rPr lang="ko-KR" altLang="en-US" dirty="0" smtClean="0"/>
+              <a:t>로 확인</a:t>
+            </a:r>
+            <a:r>
+              <a:rPr lang="en-US" altLang="ko-KR" dirty="0" smtClean="0"/>
+              <a:t>)</a:t>
+            </a:r>
             <a:endParaRPr lang="en-US" altLang="ko-KR" dirty="0"/>
           </a:p>
           <a:p>
